--- a/08.Spring Validation.pptx
+++ b/08.Spring Validation.pptx
@@ -12,9 +12,12 @@
     <p:sldId id="420" r:id="rId6"/>
     <p:sldId id="421" r:id="rId7"/>
     <p:sldId id="422" r:id="rId8"/>
-    <p:sldId id="327" r:id="rId9"/>
-    <p:sldId id="326" r:id="rId10"/>
-    <p:sldId id="323" r:id="rId11"/>
+    <p:sldId id="423" r:id="rId9"/>
+    <p:sldId id="424" r:id="rId10"/>
+    <p:sldId id="425" r:id="rId11"/>
+    <p:sldId id="426" r:id="rId12"/>
+    <p:sldId id="327" r:id="rId13"/>
+    <p:sldId id="323" r:id="rId14"/>
   </p:sldIdLst>
   <p:sldSz cx="12192000" cy="6858000"/>
   <p:notesSz cx="6858000" cy="9144000"/>
@@ -845,7 +848,7 @@
           <a:p>
             <a:fld id="{E7E49A89-72C0-40C6-A55C-C6C12D525ACC}" type="datetimeFigureOut">
               <a:rPr lang="en-US" smtClean="0"/>
-              <a:t>9/22/2024</a:t>
+              <a:t>9/24/2024</a:t>
             </a:fld>
             <a:endParaRPr lang="en-US"/>
           </a:p>
@@ -1096,7 +1099,7 @@
           <a:p>
             <a:fld id="{E7E49A89-72C0-40C6-A55C-C6C12D525ACC}" type="datetimeFigureOut">
               <a:rPr lang="en-US" smtClean="0"/>
-              <a:t>9/22/2024</a:t>
+              <a:t>9/24/2024</a:t>
             </a:fld>
             <a:endParaRPr lang="en-US"/>
           </a:p>
@@ -1410,7 +1413,7 @@
           <a:p>
             <a:fld id="{E7E49A89-72C0-40C6-A55C-C6C12D525ACC}" type="datetimeFigureOut">
               <a:rPr lang="en-US" smtClean="0"/>
-              <a:t>9/22/2024</a:t>
+              <a:t>9/24/2024</a:t>
             </a:fld>
             <a:endParaRPr lang="en-US"/>
           </a:p>
@@ -1737,7 +1740,7 @@
           <a:p>
             <a:fld id="{E7E49A89-72C0-40C6-A55C-C6C12D525ACC}" type="datetimeFigureOut">
               <a:rPr lang="en-US" smtClean="0"/>
-              <a:t>9/22/2024</a:t>
+              <a:t>9/24/2024</a:t>
             </a:fld>
             <a:endParaRPr lang="en-US"/>
           </a:p>
@@ -2051,7 +2054,7 @@
           <a:p>
             <a:fld id="{E7E49A89-72C0-40C6-A55C-C6C12D525ACC}" type="datetimeFigureOut">
               <a:rPr lang="en-US" smtClean="0"/>
-              <a:t>9/22/2024</a:t>
+              <a:t>9/24/2024</a:t>
             </a:fld>
             <a:endParaRPr lang="en-US"/>
           </a:p>
@@ -2438,7 +2441,7 @@
           <a:p>
             <a:fld id="{E7E49A89-72C0-40C6-A55C-C6C12D525ACC}" type="datetimeFigureOut">
               <a:rPr lang="en-US" smtClean="0"/>
-              <a:t>9/22/2024</a:t>
+              <a:t>9/24/2024</a:t>
             </a:fld>
             <a:endParaRPr lang="en-US"/>
           </a:p>
@@ -2608,7 +2611,7 @@
           <a:p>
             <a:fld id="{E7E49A89-72C0-40C6-A55C-C6C12D525ACC}" type="datetimeFigureOut">
               <a:rPr lang="en-US" smtClean="0"/>
-              <a:t>9/22/2024</a:t>
+              <a:t>9/24/2024</a:t>
             </a:fld>
             <a:endParaRPr lang="en-US"/>
           </a:p>
@@ -2788,7 +2791,7 @@
           <a:p>
             <a:fld id="{E7E49A89-72C0-40C6-A55C-C6C12D525ACC}" type="datetimeFigureOut">
               <a:rPr lang="en-US" smtClean="0"/>
-              <a:t>9/22/2024</a:t>
+              <a:t>9/24/2024</a:t>
             </a:fld>
             <a:endParaRPr lang="en-US"/>
           </a:p>
@@ -2964,7 +2967,7 @@
           <a:p>
             <a:fld id="{E7E49A89-72C0-40C6-A55C-C6C12D525ACC}" type="datetimeFigureOut">
               <a:rPr lang="en-US" smtClean="0"/>
-              <a:t>9/22/2024</a:t>
+              <a:t>9/24/2024</a:t>
             </a:fld>
             <a:endParaRPr lang="en-US"/>
           </a:p>
@@ -3211,7 +3214,7 @@
           <a:p>
             <a:fld id="{E7E49A89-72C0-40C6-A55C-C6C12D525ACC}" type="datetimeFigureOut">
               <a:rPr lang="en-US" smtClean="0"/>
-              <a:t>9/22/2024</a:t>
+              <a:t>9/24/2024</a:t>
             </a:fld>
             <a:endParaRPr lang="en-US"/>
           </a:p>
@@ -3443,7 +3446,7 @@
           <a:p>
             <a:fld id="{E7E49A89-72C0-40C6-A55C-C6C12D525ACC}" type="datetimeFigureOut">
               <a:rPr lang="en-US" smtClean="0"/>
-              <a:t>9/22/2024</a:t>
+              <a:t>9/24/2024</a:t>
             </a:fld>
             <a:endParaRPr lang="en-US"/>
           </a:p>
@@ -3817,7 +3820,7 @@
           <a:p>
             <a:fld id="{E7E49A89-72C0-40C6-A55C-C6C12D525ACC}" type="datetimeFigureOut">
               <a:rPr lang="en-US" smtClean="0"/>
-              <a:t>9/22/2024</a:t>
+              <a:t>9/24/2024</a:t>
             </a:fld>
             <a:endParaRPr lang="en-US"/>
           </a:p>
@@ -3940,7 +3943,7 @@
           <a:p>
             <a:fld id="{E7E49A89-72C0-40C6-A55C-C6C12D525ACC}" type="datetimeFigureOut">
               <a:rPr lang="en-US" smtClean="0"/>
-              <a:t>9/22/2024</a:t>
+              <a:t>9/24/2024</a:t>
             </a:fld>
             <a:endParaRPr lang="en-US"/>
           </a:p>
@@ -4035,7 +4038,7 @@
           <a:p>
             <a:fld id="{E7E49A89-72C0-40C6-A55C-C6C12D525ACC}" type="datetimeFigureOut">
               <a:rPr lang="en-US" smtClean="0"/>
-              <a:t>9/22/2024</a:t>
+              <a:t>9/24/2024</a:t>
             </a:fld>
             <a:endParaRPr lang="en-US"/>
           </a:p>
@@ -4290,7 +4293,7 @@
           <a:p>
             <a:fld id="{E7E49A89-72C0-40C6-A55C-C6C12D525ACC}" type="datetimeFigureOut">
               <a:rPr lang="en-US" smtClean="0"/>
-              <a:t>9/22/2024</a:t>
+              <a:t>9/24/2024</a:t>
             </a:fld>
             <a:endParaRPr lang="en-US"/>
           </a:p>
@@ -4552,7 +4555,7 @@
           <a:p>
             <a:fld id="{E7E49A89-72C0-40C6-A55C-C6C12D525ACC}" type="datetimeFigureOut">
               <a:rPr lang="en-US" smtClean="0"/>
-              <a:t>9/22/2024</a:t>
+              <a:t>9/24/2024</a:t>
             </a:fld>
             <a:endParaRPr lang="en-US"/>
           </a:p>
@@ -5297,7 +5300,7 @@
           <a:p>
             <a:fld id="{E7E49A89-72C0-40C6-A55C-C6C12D525ACC}" type="datetimeFigureOut">
               <a:rPr lang="en-US" smtClean="0"/>
-              <a:t>9/22/2024</a:t>
+              <a:t>9/24/2024</a:t>
             </a:fld>
             <a:endParaRPr lang="en-US"/>
           </a:p>
@@ -5923,6 +5926,390 @@
                 <a:latin typeface="Arial" panose="020B0604020202020204" pitchFamily="34" charset="0"/>
                 <a:cs typeface="Arial" panose="020B0604020202020204" pitchFamily="34" charset="0"/>
               </a:rPr>
+              <a:t>Setting Validation</a:t>
+            </a:r>
+          </a:p>
+        </p:txBody>
+      </p:sp>
+      <p:sp>
+        <p:nvSpPr>
+          <p:cNvPr id="3" name="Content Placeholder 2"/>
+          <p:cNvSpPr>
+            <a:spLocks noGrp="1"/>
+          </p:cNvSpPr>
+          <p:nvPr>
+            <p:ph idx="1"/>
+          </p:nvPr>
+        </p:nvSpPr>
+        <p:spPr/>
+        <p:txBody>
+          <a:bodyPr>
+            <a:normAutofit/>
+          </a:bodyPr>
+          <a:lstStyle/>
+          <a:p>
+            <a:r>
+              <a:rPr lang="en-US">
+                <a:latin typeface="Arial" panose="020B0604020202020204" pitchFamily="34" charset="0"/>
+                <a:cs typeface="Arial" panose="020B0604020202020204" pitchFamily="34" charset="0"/>
+              </a:rPr>
+              <a:t>Sử dụng </a:t>
+            </a:r>
+            <a:r>
+              <a:rPr lang="vi-VN">
+                <a:latin typeface="Arial" panose="020B0604020202020204" pitchFamily="34" charset="0"/>
+                <a:cs typeface="Arial" panose="020B0604020202020204" pitchFamily="34" charset="0"/>
+              </a:rPr>
+              <a:t>@ExceptionHandle</a:t>
+            </a:r>
+            <a:r>
+              <a:rPr lang="en-US">
+                <a:latin typeface="Arial" panose="020B0604020202020204" pitchFamily="34" charset="0"/>
+                <a:cs typeface="Arial" panose="020B0604020202020204" pitchFamily="34" charset="0"/>
+              </a:rPr>
+              <a:t>:</a:t>
+            </a:r>
+          </a:p>
+        </p:txBody>
+      </p:sp>
+      <p:pic>
+        <p:nvPicPr>
+          <p:cNvPr id="5" name="Picture 4">
+            <a:extLst>
+              <a:ext uri="{FF2B5EF4-FFF2-40B4-BE49-F238E27FC236}">
+                <a16:creationId xmlns:a16="http://schemas.microsoft.com/office/drawing/2014/main" id="{D4FB6D56-F7A9-47C9-ADA1-FC525B245A04}"/>
+              </a:ext>
+            </a:extLst>
+          </p:cNvPr>
+          <p:cNvPicPr>
+            <a:picLocks noChangeAspect="1"/>
+          </p:cNvPicPr>
+          <p:nvPr/>
+        </p:nvPicPr>
+        <p:blipFill>
+          <a:blip r:embed="rId2"/>
+          <a:stretch>
+            <a:fillRect/>
+          </a:stretch>
+        </p:blipFill>
+        <p:spPr>
+          <a:xfrm>
+            <a:off x="1127570" y="2554155"/>
+            <a:ext cx="5881155" cy="2309525"/>
+          </a:xfrm>
+          <a:prstGeom prst="rect">
+            <a:avLst/>
+          </a:prstGeom>
+        </p:spPr>
+      </p:pic>
+    </p:spTree>
+    <p:extLst>
+      <p:ext uri="{BB962C8B-B14F-4D97-AF65-F5344CB8AC3E}">
+        <p14:creationId xmlns:p14="http://schemas.microsoft.com/office/powerpoint/2010/main" val="4240386889"/>
+      </p:ext>
+    </p:extLst>
+  </p:cSld>
+  <p:clrMapOvr>
+    <a:masterClrMapping/>
+  </p:clrMapOvr>
+</p:sld>
+</file>
+
+<file path=ppt/slides/slide11.xml><?xml version="1.0" encoding="utf-8"?>
+<p:sld xmlns:a="http://schemas.openxmlformats.org/drawingml/2006/main" xmlns:r="http://schemas.openxmlformats.org/officeDocument/2006/relationships" xmlns:p="http://schemas.openxmlformats.org/presentationml/2006/main">
+  <p:cSld>
+    <p:spTree>
+      <p:nvGrpSpPr>
+        <p:cNvPr id="1" name=""/>
+        <p:cNvGrpSpPr/>
+        <p:nvPr/>
+      </p:nvGrpSpPr>
+      <p:grpSpPr>
+        <a:xfrm>
+          <a:off x="0" y="0"/>
+          <a:ext cx="0" cy="0"/>
+          <a:chOff x="0" y="0"/>
+          <a:chExt cx="0" cy="0"/>
+        </a:xfrm>
+      </p:grpSpPr>
+      <p:sp>
+        <p:nvSpPr>
+          <p:cNvPr id="2" name="Title 1"/>
+          <p:cNvSpPr>
+            <a:spLocks noGrp="1"/>
+          </p:cNvSpPr>
+          <p:nvPr>
+            <p:ph type="title"/>
+          </p:nvPr>
+        </p:nvSpPr>
+        <p:spPr/>
+        <p:txBody>
+          <a:bodyPr/>
+          <a:lstStyle/>
+          <a:p>
+            <a:r>
+              <a:rPr lang="en-US">
+                <a:latin typeface="Arial" panose="020B0604020202020204" pitchFamily="34" charset="0"/>
+                <a:cs typeface="Arial" panose="020B0604020202020204" pitchFamily="34" charset="0"/>
+              </a:rPr>
+              <a:t>Custom Validation</a:t>
+            </a:r>
+          </a:p>
+        </p:txBody>
+      </p:sp>
+      <p:sp>
+        <p:nvSpPr>
+          <p:cNvPr id="3" name="Content Placeholder 2"/>
+          <p:cNvSpPr>
+            <a:spLocks noGrp="1"/>
+          </p:cNvSpPr>
+          <p:nvPr>
+            <p:ph idx="1"/>
+          </p:nvPr>
+        </p:nvSpPr>
+        <p:spPr/>
+        <p:txBody>
+          <a:bodyPr>
+            <a:normAutofit/>
+          </a:bodyPr>
+          <a:lstStyle/>
+          <a:p>
+            <a:r>
+              <a:rPr lang="en-US">
+                <a:latin typeface="Arial" panose="020B0604020202020204" pitchFamily="34" charset="0"/>
+                <a:cs typeface="Arial" panose="020B0604020202020204" pitchFamily="34" charset="0"/>
+              </a:rPr>
+              <a:t>Ví dụ ta muốn validate cho số điện thoại đúng 10 chữ số:</a:t>
+            </a:r>
+          </a:p>
+        </p:txBody>
+      </p:sp>
+      <p:pic>
+        <p:nvPicPr>
+          <p:cNvPr id="6" name="Picture 5">
+            <a:extLst>
+              <a:ext uri="{FF2B5EF4-FFF2-40B4-BE49-F238E27FC236}">
+                <a16:creationId xmlns:a16="http://schemas.microsoft.com/office/drawing/2014/main" id="{4EBE4E4D-CC4C-EA0E-F400-D4AFC56BEE4C}"/>
+              </a:ext>
+            </a:extLst>
+          </p:cNvPr>
+          <p:cNvPicPr>
+            <a:picLocks noChangeAspect="1"/>
+          </p:cNvPicPr>
+          <p:nvPr/>
+        </p:nvPicPr>
+        <p:blipFill>
+          <a:blip r:embed="rId2"/>
+          <a:stretch>
+            <a:fillRect/>
+          </a:stretch>
+        </p:blipFill>
+        <p:spPr>
+          <a:xfrm>
+            <a:off x="1096854" y="4927601"/>
+            <a:ext cx="8530277" cy="1545755"/>
+          </a:xfrm>
+          <a:prstGeom prst="rect">
+            <a:avLst/>
+          </a:prstGeom>
+        </p:spPr>
+      </p:pic>
+      <p:pic>
+        <p:nvPicPr>
+          <p:cNvPr id="8" name="Picture 7">
+            <a:extLst>
+              <a:ext uri="{FF2B5EF4-FFF2-40B4-BE49-F238E27FC236}">
+                <a16:creationId xmlns:a16="http://schemas.microsoft.com/office/drawing/2014/main" id="{4C2B454C-1950-E075-0768-AF8F8F64DCFB}"/>
+              </a:ext>
+            </a:extLst>
+          </p:cNvPr>
+          <p:cNvPicPr>
+            <a:picLocks noChangeAspect="1"/>
+          </p:cNvPicPr>
+          <p:nvPr/>
+        </p:nvPicPr>
+        <p:blipFill>
+          <a:blip r:embed="rId3"/>
+          <a:stretch>
+            <a:fillRect/>
+          </a:stretch>
+        </p:blipFill>
+        <p:spPr>
+          <a:xfrm>
+            <a:off x="1096854" y="2520585"/>
+            <a:ext cx="5975488" cy="2189820"/>
+          </a:xfrm>
+          <a:prstGeom prst="rect">
+            <a:avLst/>
+          </a:prstGeom>
+        </p:spPr>
+      </p:pic>
+    </p:spTree>
+    <p:extLst>
+      <p:ext uri="{BB962C8B-B14F-4D97-AF65-F5344CB8AC3E}">
+        <p14:creationId xmlns:p14="http://schemas.microsoft.com/office/powerpoint/2010/main" val="2739357440"/>
+      </p:ext>
+    </p:extLst>
+  </p:cSld>
+  <p:clrMapOvr>
+    <a:masterClrMapping/>
+  </p:clrMapOvr>
+</p:sld>
+</file>
+
+<file path=ppt/slides/slide12.xml><?xml version="1.0" encoding="utf-8"?>
+<p:sld xmlns:a="http://schemas.openxmlformats.org/drawingml/2006/main" xmlns:r="http://schemas.openxmlformats.org/officeDocument/2006/relationships" xmlns:p="http://schemas.openxmlformats.org/presentationml/2006/main">
+  <p:cSld>
+    <p:spTree>
+      <p:nvGrpSpPr>
+        <p:cNvPr id="1" name=""/>
+        <p:cNvGrpSpPr/>
+        <p:nvPr/>
+      </p:nvGrpSpPr>
+      <p:grpSpPr>
+        <a:xfrm>
+          <a:off x="0" y="0"/>
+          <a:ext cx="0" cy="0"/>
+          <a:chOff x="0" y="0"/>
+          <a:chExt cx="0" cy="0"/>
+        </a:xfrm>
+      </p:grpSpPr>
+      <p:sp>
+        <p:nvSpPr>
+          <p:cNvPr id="2" name="Title 1"/>
+          <p:cNvSpPr>
+            <a:spLocks noGrp="1"/>
+          </p:cNvSpPr>
+          <p:nvPr>
+            <p:ph type="title"/>
+          </p:nvPr>
+        </p:nvSpPr>
+        <p:spPr/>
+        <p:txBody>
+          <a:bodyPr/>
+          <a:lstStyle/>
+          <a:p>
+            <a:r>
+              <a:rPr lang="en-US">
+                <a:latin typeface="Arial" panose="020B0604020202020204" pitchFamily="34" charset="0"/>
+                <a:cs typeface="Arial" panose="020B0604020202020204" pitchFamily="34" charset="0"/>
+              </a:rPr>
+              <a:t>New project</a:t>
+            </a:r>
+          </a:p>
+        </p:txBody>
+      </p:sp>
+      <p:sp>
+        <p:nvSpPr>
+          <p:cNvPr id="3" name="Content Placeholder 2"/>
+          <p:cNvSpPr>
+            <a:spLocks noGrp="1"/>
+          </p:cNvSpPr>
+          <p:nvPr>
+            <p:ph idx="1"/>
+          </p:nvPr>
+        </p:nvSpPr>
+        <p:spPr/>
+        <p:txBody>
+          <a:bodyPr/>
+          <a:lstStyle/>
+          <a:p>
+            <a:r>
+              <a:rPr lang="en-US">
+                <a:latin typeface="Arial" panose="020B0604020202020204" pitchFamily="34" charset="0"/>
+                <a:cs typeface="Arial" panose="020B0604020202020204" pitchFamily="34" charset="0"/>
+              </a:rPr>
+              <a:t>Tạo mới project:</a:t>
+            </a:r>
+          </a:p>
+          <a:p>
+            <a:endParaRPr lang="en-US">
+              <a:latin typeface="Arial" panose="020B0604020202020204" pitchFamily="34" charset="0"/>
+              <a:cs typeface="Arial" panose="020B0604020202020204" pitchFamily="34" charset="0"/>
+            </a:endParaRPr>
+          </a:p>
+        </p:txBody>
+      </p:sp>
+      <p:pic>
+        <p:nvPicPr>
+          <p:cNvPr id="6" name="Picture 5">
+            <a:extLst>
+              <a:ext uri="{FF2B5EF4-FFF2-40B4-BE49-F238E27FC236}">
+                <a16:creationId xmlns:a16="http://schemas.microsoft.com/office/drawing/2014/main" id="{5DDA5412-BBEF-4943-457B-7013F894E541}"/>
+              </a:ext>
+            </a:extLst>
+          </p:cNvPr>
+          <p:cNvPicPr>
+            <a:picLocks noChangeAspect="1"/>
+          </p:cNvPicPr>
+          <p:nvPr/>
+        </p:nvPicPr>
+        <p:blipFill>
+          <a:blip r:embed="rId2"/>
+          <a:stretch>
+            <a:fillRect/>
+          </a:stretch>
+        </p:blipFill>
+        <p:spPr>
+          <a:xfrm>
+            <a:off x="1097885" y="2595373"/>
+            <a:ext cx="7570273" cy="3158966"/>
+          </a:xfrm>
+          <a:prstGeom prst="rect">
+            <a:avLst/>
+          </a:prstGeom>
+        </p:spPr>
+      </p:pic>
+    </p:spTree>
+    <p:extLst>
+      <p:ext uri="{BB962C8B-B14F-4D97-AF65-F5344CB8AC3E}">
+        <p14:creationId xmlns:p14="http://schemas.microsoft.com/office/powerpoint/2010/main" val="622539829"/>
+      </p:ext>
+    </p:extLst>
+  </p:cSld>
+  <p:clrMapOvr>
+    <a:masterClrMapping/>
+  </p:clrMapOvr>
+</p:sld>
+</file>
+
+<file path=ppt/slides/slide13.xml><?xml version="1.0" encoding="utf-8"?>
+<p:sld xmlns:a="http://schemas.openxmlformats.org/drawingml/2006/main" xmlns:r="http://schemas.openxmlformats.org/officeDocument/2006/relationships" xmlns:p="http://schemas.openxmlformats.org/presentationml/2006/main">
+  <p:cSld>
+    <p:spTree>
+      <p:nvGrpSpPr>
+        <p:cNvPr id="1" name=""/>
+        <p:cNvGrpSpPr/>
+        <p:nvPr/>
+      </p:nvGrpSpPr>
+      <p:grpSpPr>
+        <a:xfrm>
+          <a:off x="0" y="0"/>
+          <a:ext cx="0" cy="0"/>
+          <a:chOff x="0" y="0"/>
+          <a:chExt cx="0" cy="0"/>
+        </a:xfrm>
+      </p:grpSpPr>
+      <p:sp>
+        <p:nvSpPr>
+          <p:cNvPr id="2" name="Title 1"/>
+          <p:cNvSpPr>
+            <a:spLocks noGrp="1"/>
+          </p:cNvSpPr>
+          <p:nvPr>
+            <p:ph type="title"/>
+          </p:nvPr>
+        </p:nvSpPr>
+        <p:spPr/>
+        <p:txBody>
+          <a:bodyPr/>
+          <a:lstStyle/>
+          <a:p>
+            <a:r>
+              <a:rPr lang="en-US">
+                <a:latin typeface="Arial" panose="020B0604020202020204" pitchFamily="34" charset="0"/>
+                <a:cs typeface="Arial" panose="020B0604020202020204" pitchFamily="34" charset="0"/>
+              </a:rPr>
               <a:t>Start project</a:t>
             </a:r>
           </a:p>
@@ -5958,7 +6345,7 @@
                 <a:latin typeface="Arial" panose="020B0604020202020204" pitchFamily="34" charset="0"/>
                 <a:cs typeface="Arial" panose="020B0604020202020204" pitchFamily="34" charset="0"/>
               </a:rPr>
-              <a:t>spring.datasource.url=jdbc:mariadb://localhost:3006/demo_jpa</a:t>
+              <a:t>spring.datasource.url=jdbc:mariadb://localhost:3006/demo_validation</a:t>
             </a:r>
           </a:p>
           <a:p>
@@ -6621,10 +7008,10 @@
       </p:sp>
       <p:pic>
         <p:nvPicPr>
-          <p:cNvPr id="6" name="Picture 5">
+          <p:cNvPr id="5" name="Picture 4">
             <a:extLst>
               <a:ext uri="{FF2B5EF4-FFF2-40B4-BE49-F238E27FC236}">
-                <a16:creationId xmlns:a16="http://schemas.microsoft.com/office/drawing/2014/main" id="{6DD72919-1478-4E50-0EDB-B641355E6B33}"/>
+                <a16:creationId xmlns:a16="http://schemas.microsoft.com/office/drawing/2014/main" id="{C6973FBB-6491-3686-C2A1-31E138BA164B}"/>
               </a:ext>
             </a:extLst>
           </p:cNvPr>
@@ -6641,8 +7028,8 @@
         </p:blipFill>
         <p:spPr>
           <a:xfrm>
-            <a:off x="1118469" y="2632839"/>
-            <a:ext cx="5911797" cy="1007604"/>
+            <a:off x="1134641" y="2581177"/>
+            <a:ext cx="6762750" cy="1247775"/>
           </a:xfrm>
           <a:prstGeom prst="rect">
             <a:avLst/>
@@ -6726,79 +7113,33 @@
                 <a:latin typeface="Arial" panose="020B0604020202020204" pitchFamily="34" charset="0"/>
                 <a:cs typeface="Arial" panose="020B0604020202020204" pitchFamily="34" charset="0"/>
               </a:rPr>
-              <a:t>Ở đoạn code trên, nếu dữ liệu không hợp lệ, thì method createUser sẽ không được gọi. Lúc này là validation đã bị fail.</a:t>
-            </a:r>
-          </a:p>
-          <a:p>
-            <a:endParaRPr lang="vi-VN">
-              <a:latin typeface="Arial" panose="020B0604020202020204" pitchFamily="34" charset="0"/>
-              <a:cs typeface="Arial" panose="020B0604020202020204" pitchFamily="34" charset="0"/>
-            </a:endParaRPr>
-          </a:p>
-          <a:p>
+              <a:t>Ở đoạn code trên, nếu dữ liệu không hợp lệ, thì method </a:t>
+            </a:r>
+            <a:r>
+              <a:rPr lang="vi-VN">
+                <a:solidFill>
+                  <a:srgbClr val="FFC000"/>
+                </a:solidFill>
+                <a:latin typeface="Arial" panose="020B0604020202020204" pitchFamily="34" charset="0"/>
+                <a:cs typeface="Arial" panose="020B0604020202020204" pitchFamily="34" charset="0"/>
+              </a:rPr>
+              <a:t>addUser</a:t>
+            </a:r>
             <a:r>
               <a:rPr lang="vi-VN">
                 <a:latin typeface="Arial" panose="020B0604020202020204" pitchFamily="34" charset="0"/>
                 <a:cs typeface="Arial" panose="020B0604020202020204" pitchFamily="34" charset="0"/>
               </a:rPr>
-              <a:t>Spring Boot có hai cách để xử lý việc này:</a:t>
-            </a:r>
-          </a:p>
-          <a:p>
-            <a:pPr lvl="1"/>
-            <a:r>
-              <a:rPr lang="vi-VN">
-                <a:latin typeface="Arial" panose="020B0604020202020204" pitchFamily="34" charset="0"/>
-                <a:cs typeface="Arial" panose="020B0604020202020204" pitchFamily="34" charset="0"/>
-              </a:rPr>
-              <a:t>Dùng tham số BindingResult. Nếu validation fail, method vẫn sẽ được gọi vào, và chúng ta có thể check tham số BindingResult có lỗi hay không, từ đó xử lý </a:t>
+              <a:t> sẽ không được gọi</a:t>
             </a:r>
             <a:r>
               <a:rPr lang="en-US">
                 <a:latin typeface="Arial" panose="020B0604020202020204" pitchFamily="34" charset="0"/>
                 <a:cs typeface="Arial" panose="020B0604020202020204" pitchFamily="34" charset="0"/>
               </a:rPr>
-              <a:t>tiếp</a:t>
-            </a:r>
-            <a:r>
-              <a:rPr lang="vi-VN">
-                <a:latin typeface="Arial" panose="020B0604020202020204" pitchFamily="34" charset="0"/>
-                <a:cs typeface="Arial" panose="020B0604020202020204" pitchFamily="34" charset="0"/>
-              </a:rPr>
-              <a:t>.</a:t>
-            </a:r>
-          </a:p>
-          <a:p>
-            <a:pPr lvl="1"/>
-            <a:r>
-              <a:rPr lang="en-US">
-                <a:latin typeface="Arial" panose="020B0604020202020204" pitchFamily="34" charset="0"/>
-                <a:cs typeface="Arial" panose="020B0604020202020204" pitchFamily="34" charset="0"/>
-              </a:rPr>
-              <a:t>C</a:t>
-            </a:r>
-            <a:r>
-              <a:rPr lang="vi-VN">
-                <a:latin typeface="Arial" panose="020B0604020202020204" pitchFamily="34" charset="0"/>
-                <a:cs typeface="Arial" panose="020B0604020202020204" pitchFamily="34" charset="0"/>
-              </a:rPr>
-              <a:t>hương trình ném ra lỗi BindException. Chúng ta chỉ cần bắt lỗi lại với @ExceptionHandler và xử lý </a:t>
-            </a:r>
-            <a:r>
-              <a:rPr lang="en-US">
-                <a:latin typeface="Arial" panose="020B0604020202020204" pitchFamily="34" charset="0"/>
-                <a:cs typeface="Arial" panose="020B0604020202020204" pitchFamily="34" charset="0"/>
-              </a:rPr>
-              <a:t>tiếp</a:t>
-            </a:r>
-            <a:r>
-              <a:rPr lang="vi-VN">
-                <a:latin typeface="Arial" panose="020B0604020202020204" pitchFamily="34" charset="0"/>
-                <a:cs typeface="Arial" panose="020B0604020202020204" pitchFamily="34" charset="0"/>
-              </a:rPr>
-              <a:t>.</a:t>
-            </a:r>
-            <a:endParaRPr lang="en-US">
+              <a:t> mà throw exception.</a:t>
+            </a:r>
+            <a:endParaRPr lang="vi-VN">
               <a:latin typeface="Arial" panose="020B0604020202020204" pitchFamily="34" charset="0"/>
               <a:cs typeface="Arial" panose="020B0604020202020204" pitchFamily="34" charset="0"/>
             </a:endParaRPr>
@@ -6855,7 +7196,7 @@
                 <a:latin typeface="Arial" panose="020B0604020202020204" pitchFamily="34" charset="0"/>
                 <a:cs typeface="Arial" panose="020B0604020202020204" pitchFamily="34" charset="0"/>
               </a:rPr>
-              <a:t>New project</a:t>
+              <a:t>Setting Validation</a:t>
             </a:r>
           </a:p>
         </p:txBody>
@@ -6872,7 +7213,9 @@
         </p:nvSpPr>
         <p:spPr/>
         <p:txBody>
-          <a:bodyPr/>
+          <a:bodyPr>
+            <a:normAutofit/>
+          </a:bodyPr>
           <a:lstStyle/>
           <a:p>
             <a:r>
@@ -6880,10 +7223,67 @@
                 <a:latin typeface="Arial" panose="020B0604020202020204" pitchFamily="34" charset="0"/>
                 <a:cs typeface="Arial" panose="020B0604020202020204" pitchFamily="34" charset="0"/>
               </a:rPr>
-              <a:t>Tạo mới project:</a:t>
-            </a:r>
-          </a:p>
-          <a:p>
+              <a:t>Để xử lý exception và hiển thị ra message tương ứng ta có 2 cách:</a:t>
+            </a:r>
+            <a:endParaRPr lang="vi-VN">
+              <a:latin typeface="Arial" panose="020B0604020202020204" pitchFamily="34" charset="0"/>
+              <a:cs typeface="Arial" panose="020B0604020202020204" pitchFamily="34" charset="0"/>
+            </a:endParaRPr>
+          </a:p>
+          <a:p>
+            <a:pPr lvl="1"/>
+            <a:r>
+              <a:rPr lang="vi-VN">
+                <a:latin typeface="Arial" panose="020B0604020202020204" pitchFamily="34" charset="0"/>
+                <a:cs typeface="Arial" panose="020B0604020202020204" pitchFamily="34" charset="0"/>
+              </a:rPr>
+              <a:t>Dùng tham số BindingResult. Nếu validation fail, method vẫn sẽ được gọi vào, và chúng ta có thể check tham số BindingResult có lỗi hay không, từ đó xử lý </a:t>
+            </a:r>
+            <a:r>
+              <a:rPr lang="en-US">
+                <a:latin typeface="Arial" panose="020B0604020202020204" pitchFamily="34" charset="0"/>
+                <a:cs typeface="Arial" panose="020B0604020202020204" pitchFamily="34" charset="0"/>
+              </a:rPr>
+              <a:t>tiếp</a:t>
+            </a:r>
+            <a:r>
+              <a:rPr lang="vi-VN">
+                <a:latin typeface="Arial" panose="020B0604020202020204" pitchFamily="34" charset="0"/>
+                <a:cs typeface="Arial" panose="020B0604020202020204" pitchFamily="34" charset="0"/>
+              </a:rPr>
+              <a:t>.</a:t>
+            </a:r>
+          </a:p>
+          <a:p>
+            <a:pPr lvl="1"/>
+            <a:r>
+              <a:rPr lang="en-US">
+                <a:latin typeface="Arial" panose="020B0604020202020204" pitchFamily="34" charset="0"/>
+                <a:cs typeface="Arial" panose="020B0604020202020204" pitchFamily="34" charset="0"/>
+              </a:rPr>
+              <a:t>C</a:t>
+            </a:r>
+            <a:r>
+              <a:rPr lang="vi-VN">
+                <a:latin typeface="Arial" panose="020B0604020202020204" pitchFamily="34" charset="0"/>
+                <a:cs typeface="Arial" panose="020B0604020202020204" pitchFamily="34" charset="0"/>
+              </a:rPr>
+              <a:t>hương trình ném ra lỗi BindException. Chúng ta chỉ cần bắt lỗi lại với @ExceptionHandler và xử lý </a:t>
+            </a:r>
+            <a:r>
+              <a:rPr lang="en-US">
+                <a:latin typeface="Arial" panose="020B0604020202020204" pitchFamily="34" charset="0"/>
+                <a:cs typeface="Arial" panose="020B0604020202020204" pitchFamily="34" charset="0"/>
+              </a:rPr>
+              <a:t>tiếp</a:t>
+            </a:r>
+            <a:r>
+              <a:rPr lang="vi-VN">
+                <a:latin typeface="Arial" panose="020B0604020202020204" pitchFamily="34" charset="0"/>
+                <a:cs typeface="Arial" panose="020B0604020202020204" pitchFamily="34" charset="0"/>
+              </a:rPr>
+              <a:t>.</a:t>
+            </a:r>
             <a:endParaRPr lang="en-US">
               <a:latin typeface="Arial" panose="020B0604020202020204" pitchFamily="34" charset="0"/>
               <a:cs typeface="Arial" panose="020B0604020202020204" pitchFamily="34" charset="0"/>
@@ -6891,40 +7291,10 @@
           </a:p>
         </p:txBody>
       </p:sp>
-      <p:pic>
-        <p:nvPicPr>
-          <p:cNvPr id="4" name="Picture 3">
-            <a:extLst>
-              <a:ext uri="{FF2B5EF4-FFF2-40B4-BE49-F238E27FC236}">
-                <a16:creationId xmlns:a16="http://schemas.microsoft.com/office/drawing/2014/main" id="{060291CD-B806-F7EA-E908-FC4C4A2AE123}"/>
-              </a:ext>
-            </a:extLst>
-          </p:cNvPr>
-          <p:cNvPicPr>
-            <a:picLocks noChangeAspect="1"/>
-          </p:cNvPicPr>
-          <p:nvPr/>
-        </p:nvPicPr>
-        <p:blipFill>
-          <a:blip r:embed="rId2"/>
-          <a:stretch>
-            <a:fillRect/>
-          </a:stretch>
-        </p:blipFill>
-        <p:spPr>
-          <a:xfrm>
-            <a:off x="677334" y="2661503"/>
-            <a:ext cx="8327300" cy="3326470"/>
-          </a:xfrm>
-          <a:prstGeom prst="rect">
-            <a:avLst/>
-          </a:prstGeom>
-        </p:spPr>
-      </p:pic>
     </p:spTree>
     <p:extLst>
       <p:ext uri="{BB962C8B-B14F-4D97-AF65-F5344CB8AC3E}">
-        <p14:creationId xmlns:p14="http://schemas.microsoft.com/office/powerpoint/2010/main" val="622539829"/>
+        <p14:creationId xmlns:p14="http://schemas.microsoft.com/office/powerpoint/2010/main" val="303067347"/>
       </p:ext>
     </p:extLst>
   </p:cSld>
@@ -6971,7 +7341,7 @@
                 <a:latin typeface="Arial" panose="020B0604020202020204" pitchFamily="34" charset="0"/>
                 <a:cs typeface="Arial" panose="020B0604020202020204" pitchFamily="34" charset="0"/>
               </a:rPr>
-              <a:t>Data</a:t>
+              <a:t>Setting Validation</a:t>
             </a:r>
           </a:p>
         </p:txBody>
@@ -6988,28 +7358,37 @@
         </p:nvSpPr>
         <p:spPr/>
         <p:txBody>
-          <a:bodyPr/>
-          <a:lstStyle/>
-          <a:p>
+          <a:bodyPr>
+            <a:normAutofit/>
+          </a:bodyPr>
+          <a:lstStyle/>
+          <a:p>
+            <a:r>
+              <a:rPr lang="vi-VN">
+                <a:latin typeface="Arial" panose="020B0604020202020204" pitchFamily="34" charset="0"/>
+                <a:cs typeface="Arial" panose="020B0604020202020204" pitchFamily="34" charset="0"/>
+              </a:rPr>
+              <a:t>Dùng tham số BindingResult</a:t>
+            </a:r>
             <a:r>
               <a:rPr lang="en-US">
                 <a:latin typeface="Arial" panose="020B0604020202020204" pitchFamily="34" charset="0"/>
                 <a:cs typeface="Arial" panose="020B0604020202020204" pitchFamily="34" charset="0"/>
               </a:rPr>
-              <a:t>Sample data với table User</a:t>
-            </a:r>
-          </a:p>
-          <a:p>
-            <a:endParaRPr lang="en-US">
-              <a:latin typeface="Arial" panose="020B0604020202020204" pitchFamily="34" charset="0"/>
-              <a:cs typeface="Arial" panose="020B0604020202020204" pitchFamily="34" charset="0"/>
-            </a:endParaRPr>
+              <a:t>:</a:t>
+            </a:r>
           </a:p>
         </p:txBody>
       </p:sp>
       <p:pic>
         <p:nvPicPr>
-          <p:cNvPr id="4" name="Picture 3"/>
+          <p:cNvPr id="5" name="Picture 4">
+            <a:extLst>
+              <a:ext uri="{FF2B5EF4-FFF2-40B4-BE49-F238E27FC236}">
+                <a16:creationId xmlns:a16="http://schemas.microsoft.com/office/drawing/2014/main" id="{5E7B35B9-64DC-3B34-0ED8-B97811580C28}"/>
+              </a:ext>
+            </a:extLst>
+          </p:cNvPr>
           <p:cNvPicPr>
             <a:picLocks noChangeAspect="1"/>
           </p:cNvPicPr>
@@ -7023,76 +7402,18 @@
         </p:blipFill>
         <p:spPr>
           <a:xfrm>
-            <a:off x="677334" y="2630487"/>
-            <a:ext cx="3552825" cy="1914525"/>
+            <a:off x="1126261" y="2570191"/>
+            <a:ext cx="7501076" cy="2003756"/>
           </a:xfrm>
           <a:prstGeom prst="rect">
             <a:avLst/>
           </a:prstGeom>
         </p:spPr>
       </p:pic>
-      <p:sp>
-        <p:nvSpPr>
-          <p:cNvPr id="5" name="Rectangle 4"/>
-          <p:cNvSpPr/>
-          <p:nvPr/>
-        </p:nvSpPr>
-        <p:spPr>
-          <a:xfrm>
-            <a:off x="677334" y="4602887"/>
-            <a:ext cx="4548716" cy="1384995"/>
-          </a:xfrm>
-          <a:prstGeom prst="rect">
-            <a:avLst/>
-          </a:prstGeom>
-        </p:spPr>
-        <p:txBody>
-          <a:bodyPr wrap="square">
-            <a:spAutoFit/>
-          </a:bodyPr>
-          <a:lstStyle/>
-          <a:p>
-            <a:r>
-              <a:rPr lang="en-US" sz="1400"/>
-              <a:t>INSERT INTO `user` (`id`, `name`, `email`) VALUES</a:t>
-            </a:r>
-          </a:p>
-          <a:p>
-            <a:r>
-              <a:rPr lang="en-US" sz="1400"/>
-              <a:t>	(1, 'Hào', 'hao@abc.com'),</a:t>
-            </a:r>
-          </a:p>
-          <a:p>
-            <a:r>
-              <a:rPr lang="en-US" sz="1400"/>
-              <a:t>	(2, 'Lan', 'lan@abc.com'),</a:t>
-            </a:r>
-          </a:p>
-          <a:p>
-            <a:r>
-              <a:rPr lang="en-US" sz="1400"/>
-              <a:t>	(3, 'Điệp', 'diep@abc.com'),</a:t>
-            </a:r>
-          </a:p>
-          <a:p>
-            <a:r>
-              <a:rPr lang="en-US" sz="1400"/>
-              <a:t>	(4, 'Hào', 'hao@abc.com'),</a:t>
-            </a:r>
-          </a:p>
-          <a:p>
-            <a:r>
-              <a:rPr lang="en-US" sz="1400"/>
-              <a:t>	(5, 'Linh', 'linh@abc.com');</a:t>
-            </a:r>
-          </a:p>
-        </p:txBody>
-      </p:sp>
     </p:spTree>
     <p:extLst>
       <p:ext uri="{BB962C8B-B14F-4D97-AF65-F5344CB8AC3E}">
-        <p14:creationId xmlns:p14="http://schemas.microsoft.com/office/powerpoint/2010/main" val="1543493511"/>
+        <p14:creationId xmlns:p14="http://schemas.microsoft.com/office/powerpoint/2010/main" val="2842903347"/>
       </p:ext>
     </p:extLst>
   </p:cSld>
